--- a/THEE_bacterial resistance.pptx
+++ b/THEE_bacterial resistance.pptx
@@ -17,7 +17,6 @@
     <p:sldId id="260" r:id="rId11"/>
     <p:sldId id="262" r:id="rId12"/>
     <p:sldId id="268" r:id="rId13"/>
-    <p:sldId id="269" r:id="rId14"/>
   </p:sldIdLst>
   <p:sldSz cx="12192000" cy="6858000"/>
   <p:notesSz cx="6858000" cy="9144000"/>
@@ -6622,7 +6621,7 @@
           <a:p>
             <a:fld id="{2A07F06B-CB54-47B8-86A8-70FF2417EE14}" type="slidenum">
               <a:rPr lang="de-CH" smtClean="0"/>
-              <a:t>‹#›</a:t>
+              <a:t>‹Nr.›</a:t>
             </a:fld>
             <a:endParaRPr lang="de-CH"/>
           </a:p>
@@ -6822,7 +6821,7 @@
           <a:p>
             <a:fld id="{2A07F06B-CB54-47B8-86A8-70FF2417EE14}" type="slidenum">
               <a:rPr lang="de-CH" smtClean="0"/>
-              <a:t>‹#›</a:t>
+              <a:t>‹Nr.›</a:t>
             </a:fld>
             <a:endParaRPr lang="de-CH"/>
           </a:p>
@@ -7032,7 +7031,7 @@
           <a:p>
             <a:fld id="{2A07F06B-CB54-47B8-86A8-70FF2417EE14}" type="slidenum">
               <a:rPr lang="de-CH" smtClean="0"/>
-              <a:t>‹#›</a:t>
+              <a:t>‹Nr.›</a:t>
             </a:fld>
             <a:endParaRPr lang="de-CH"/>
           </a:p>
@@ -7232,7 +7231,7 @@
           <a:p>
             <a:fld id="{2A07F06B-CB54-47B8-86A8-70FF2417EE14}" type="slidenum">
               <a:rPr lang="de-CH" smtClean="0"/>
-              <a:t>‹#›</a:t>
+              <a:t>‹Nr.›</a:t>
             </a:fld>
             <a:endParaRPr lang="de-CH"/>
           </a:p>
@@ -7508,7 +7507,7 @@
           <a:p>
             <a:fld id="{2A07F06B-CB54-47B8-86A8-70FF2417EE14}" type="slidenum">
               <a:rPr lang="de-CH" smtClean="0"/>
-              <a:t>‹#›</a:t>
+              <a:t>‹Nr.›</a:t>
             </a:fld>
             <a:endParaRPr lang="de-CH"/>
           </a:p>
@@ -7776,7 +7775,7 @@
           <a:p>
             <a:fld id="{2A07F06B-CB54-47B8-86A8-70FF2417EE14}" type="slidenum">
               <a:rPr lang="de-CH" smtClean="0"/>
-              <a:t>‹#›</a:t>
+              <a:t>‹Nr.›</a:t>
             </a:fld>
             <a:endParaRPr lang="de-CH"/>
           </a:p>
@@ -8191,7 +8190,7 @@
           <a:p>
             <a:fld id="{2A07F06B-CB54-47B8-86A8-70FF2417EE14}" type="slidenum">
               <a:rPr lang="de-CH" smtClean="0"/>
-              <a:t>‹#›</a:t>
+              <a:t>‹Nr.›</a:t>
             </a:fld>
             <a:endParaRPr lang="de-CH"/>
           </a:p>
@@ -8333,7 +8332,7 @@
           <a:p>
             <a:fld id="{2A07F06B-CB54-47B8-86A8-70FF2417EE14}" type="slidenum">
               <a:rPr lang="de-CH" smtClean="0"/>
-              <a:t>‹#›</a:t>
+              <a:t>‹Nr.›</a:t>
             </a:fld>
             <a:endParaRPr lang="de-CH"/>
           </a:p>
@@ -8446,7 +8445,7 @@
           <a:p>
             <a:fld id="{2A07F06B-CB54-47B8-86A8-70FF2417EE14}" type="slidenum">
               <a:rPr lang="de-CH" smtClean="0"/>
-              <a:t>‹#›</a:t>
+              <a:t>‹Nr.›</a:t>
             </a:fld>
             <a:endParaRPr lang="de-CH"/>
           </a:p>
@@ -8759,7 +8758,7 @@
           <a:p>
             <a:fld id="{2A07F06B-CB54-47B8-86A8-70FF2417EE14}" type="slidenum">
               <a:rPr lang="de-CH" smtClean="0"/>
-              <a:t>‹#›</a:t>
+              <a:t>‹Nr.›</a:t>
             </a:fld>
             <a:endParaRPr lang="de-CH"/>
           </a:p>
@@ -9048,7 +9047,7 @@
           <a:p>
             <a:fld id="{2A07F06B-CB54-47B8-86A8-70FF2417EE14}" type="slidenum">
               <a:rPr lang="de-CH" smtClean="0"/>
-              <a:t>‹#›</a:t>
+              <a:t>‹Nr.›</a:t>
             </a:fld>
             <a:endParaRPr lang="de-CH"/>
           </a:p>
@@ -9327,7 +9326,7 @@
           <a:p>
             <a:fld id="{2A07F06B-CB54-47B8-86A8-70FF2417EE14}" type="slidenum">
               <a:rPr lang="de-CH" smtClean="0"/>
-              <a:t>‹#›</a:t>
+              <a:t>‹Nr.›</a:t>
             </a:fld>
             <a:endParaRPr lang="de-CH"/>
           </a:p>
@@ -10380,10 +10379,10 @@
       </p:grpSpPr>
       <p:pic>
         <p:nvPicPr>
-          <p:cNvPr id="7" name="Grafik 6">
+          <p:cNvPr id="14" name="Grafik 13" descr="Ein Bild, das Text, Screenshot, Schrift, Diagramm enthält.&#10;&#10;KI-generierte Inhalte können fehlerhaft sein.">
             <a:extLst>
               <a:ext uri="{FF2B5EF4-FFF2-40B4-BE49-F238E27FC236}">
-                <a16:creationId xmlns:a16="http://schemas.microsoft.com/office/drawing/2014/main" id="{1DAE38D4-F6F3-C876-02B3-005DB9A72CE8}"/>
+                <a16:creationId xmlns:a16="http://schemas.microsoft.com/office/drawing/2014/main" id="{D782B588-ECE0-C3F9-5EB2-F894E28B2EC0}"/>
               </a:ext>
             </a:extLst>
           </p:cNvPr>
@@ -10406,8 +10405,8 @@
         </p:blipFill>
         <p:spPr>
           <a:xfrm>
-            <a:off x="1" y="3322319"/>
-            <a:ext cx="4139417" cy="3471769"/>
+            <a:off x="3891280" y="944674"/>
+            <a:ext cx="4409439" cy="3698239"/>
           </a:xfrm>
           <a:prstGeom prst="rect">
             <a:avLst/>
@@ -10479,41 +10478,6 @@
           </a:p>
         </p:txBody>
       </p:sp>
-      <p:pic>
-        <p:nvPicPr>
-          <p:cNvPr id="5" name="Inhaltsplatzhalter 4">
-            <a:extLst>
-              <a:ext uri="{FF2B5EF4-FFF2-40B4-BE49-F238E27FC236}">
-                <a16:creationId xmlns:a16="http://schemas.microsoft.com/office/drawing/2014/main" id="{A120981A-76D2-D045-6D32-C63C6615B709}"/>
-              </a:ext>
-            </a:extLst>
-          </p:cNvPr>
-          <p:cNvPicPr>
-            <a:picLocks noGrp="1" noChangeAspect="1"/>
-          </p:cNvPicPr>
-          <p:nvPr>
-            <p:ph idx="1"/>
-          </p:nvPr>
-        </p:nvPicPr>
-        <p:blipFill>
-          <a:blip r:embed="rId3">
-            <a:extLst>
-              <a:ext uri="{28A0092B-C50C-407E-A947-70E740481C1C}">
-                <a14:useLocalDpi xmlns:a14="http://schemas.microsoft.com/office/drawing/2010/main" val="0"/>
-              </a:ext>
-            </a:extLst>
-          </a:blip>
-          <a:stretch>
-            <a:fillRect/>
-          </a:stretch>
-        </p:blipFill>
-        <p:spPr>
-          <a:xfrm>
-            <a:off x="7752077" y="3134196"/>
-            <a:ext cx="4439921" cy="3723804"/>
-          </a:xfrm>
-        </p:spPr>
-      </p:pic>
       <p:sp>
         <p:nvSpPr>
           <p:cNvPr id="8" name="Textfeld 7">
@@ -10583,10 +10547,46 @@
       </p:sp>
       <p:pic>
         <p:nvPicPr>
-          <p:cNvPr id="10" name="Grafik 9" descr="Ein Bild, das Text, Screenshot, Diagramm, Schrift enthält.&#10;&#10;KI-generierte Inhalte können fehlerhaft sein.">
+          <p:cNvPr id="16" name="Grafik 15" descr="Ein Bild, das Text, Screenshot, Schrift, Diagramm enthält.&#10;&#10;KI-generierte Inhalte können fehlerhaft sein.">
             <a:extLst>
               <a:ext uri="{FF2B5EF4-FFF2-40B4-BE49-F238E27FC236}">
-                <a16:creationId xmlns:a16="http://schemas.microsoft.com/office/drawing/2014/main" id="{7DF03FD8-2F12-E3E2-7BAA-2F2D40B15C49}"/>
+                <a16:creationId xmlns:a16="http://schemas.microsoft.com/office/drawing/2014/main" id="{1CF1B61E-9E85-A7F5-0FA4-6FA0435C6607}"/>
+              </a:ext>
+            </a:extLst>
+          </p:cNvPr>
+          <p:cNvPicPr>
+            <a:picLocks noChangeAspect="1"/>
+          </p:cNvPicPr>
+          <p:nvPr/>
+        </p:nvPicPr>
+        <p:blipFill>
+          <a:blip r:embed="rId3">
+            <a:extLst>
+              <a:ext uri="{28A0092B-C50C-407E-A947-70E740481C1C}">
+                <a14:useLocalDpi xmlns:a14="http://schemas.microsoft.com/office/drawing/2010/main" val="0"/>
+              </a:ext>
+            </a:extLst>
+          </a:blip>
+          <a:stretch>
+            <a:fillRect/>
+          </a:stretch>
+        </p:blipFill>
+        <p:spPr>
+          <a:xfrm>
+            <a:off x="0" y="3312161"/>
+            <a:ext cx="4227733" cy="3545840"/>
+          </a:xfrm>
+          <a:prstGeom prst="rect">
+            <a:avLst/>
+          </a:prstGeom>
+        </p:spPr>
+      </p:pic>
+      <p:pic>
+        <p:nvPicPr>
+          <p:cNvPr id="12" name="Grafik 11" descr="Ein Bild, das Text, Screenshot, Diagramm, Schrift enthält.&#10;&#10;KI-generierte Inhalte können fehlerhaft sein.">
+            <a:extLst>
+              <a:ext uri="{FF2B5EF4-FFF2-40B4-BE49-F238E27FC236}">
+                <a16:creationId xmlns:a16="http://schemas.microsoft.com/office/drawing/2014/main" id="{0C2DE09A-9A31-12A2-1F69-ACD721E6B79D}"/>
               </a:ext>
             </a:extLst>
           </p:cNvPr>
@@ -10609,8 +10609,8 @@
         </p:blipFill>
         <p:spPr>
           <a:xfrm>
-            <a:off x="3837838" y="1535057"/>
-            <a:ext cx="4203804" cy="3525771"/>
+            <a:off x="7964266" y="3312159"/>
+            <a:ext cx="4227733" cy="3545841"/>
           </a:xfrm>
           <a:prstGeom prst="rect">
             <a:avLst/>
@@ -10649,10 +10649,10 @@
       </p:grpSpPr>
       <p:pic>
         <p:nvPicPr>
-          <p:cNvPr id="7" name="Grafik 6">
+          <p:cNvPr id="8" name="Grafik 7" descr="Ein Bild, das Text, Screenshot, Diagramm, Reihe enthält.&#10;&#10;KI-generierte Inhalte können fehlerhaft sein.">
             <a:extLst>
               <a:ext uri="{FF2B5EF4-FFF2-40B4-BE49-F238E27FC236}">
-                <a16:creationId xmlns:a16="http://schemas.microsoft.com/office/drawing/2014/main" id="{35C3E923-6E68-939A-4B46-1A2556469F76}"/>
+                <a16:creationId xmlns:a16="http://schemas.microsoft.com/office/drawing/2014/main" id="{5826D9C8-40EE-E2DF-3ECB-1D159335CC42}"/>
               </a:ext>
             </a:extLst>
           </p:cNvPr>
@@ -10675,8 +10675,8 @@
         </p:blipFill>
         <p:spPr>
           <a:xfrm>
-            <a:off x="0" y="3261358"/>
-            <a:ext cx="4288302" cy="3596641"/>
+            <a:off x="1" y="3287580"/>
+            <a:ext cx="4257039" cy="3570420"/>
           </a:xfrm>
           <a:prstGeom prst="rect">
             <a:avLst/>
@@ -10685,19 +10685,17 @@
       </p:pic>
       <p:pic>
         <p:nvPicPr>
-          <p:cNvPr id="5" name="Inhaltsplatzhalter 4">
+          <p:cNvPr id="12" name="Grafik 11" descr="Ein Bild, das Text, Diagramm, Screenshot, Reihe enthält.&#10;&#10;KI-generierte Inhalte können fehlerhaft sein.">
             <a:extLst>
               <a:ext uri="{FF2B5EF4-FFF2-40B4-BE49-F238E27FC236}">
-                <a16:creationId xmlns:a16="http://schemas.microsoft.com/office/drawing/2014/main" id="{530176FA-7389-FBA6-6398-7DCE7B3B42EA}"/>
+                <a16:creationId xmlns:a16="http://schemas.microsoft.com/office/drawing/2014/main" id="{E1E9B559-AD7C-093F-0D20-535A35961994}"/>
               </a:ext>
             </a:extLst>
           </p:cNvPr>
           <p:cNvPicPr>
-            <a:picLocks noGrp="1" noChangeAspect="1"/>
+            <a:picLocks noChangeAspect="1"/>
           </p:cNvPicPr>
-          <p:nvPr>
-            <p:ph idx="1"/>
-          </p:nvPr>
+          <p:nvPr/>
         </p:nvPicPr>
         <p:blipFill>
           <a:blip r:embed="rId3">
@@ -10713,9 +10711,48 @@
         </p:blipFill>
         <p:spPr>
           <a:xfrm>
-            <a:off x="3994241" y="1380803"/>
-            <a:ext cx="4203517" cy="3525530"/>
+            <a:off x="7731760" y="3117154"/>
+            <a:ext cx="4460240" cy="3740846"/>
           </a:xfrm>
+          <a:prstGeom prst="rect">
+            <a:avLst/>
+          </a:prstGeom>
+        </p:spPr>
+      </p:pic>
+      <p:pic>
+        <p:nvPicPr>
+          <p:cNvPr id="14" name="Grafik 13" descr="Ein Bild, das Text, Screenshot, Schrift, Diagramm enthält.&#10;&#10;KI-generierte Inhalte können fehlerhaft sein.">
+            <a:extLst>
+              <a:ext uri="{FF2B5EF4-FFF2-40B4-BE49-F238E27FC236}">
+                <a16:creationId xmlns:a16="http://schemas.microsoft.com/office/drawing/2014/main" id="{877F9DB5-3919-82D2-72C7-66A3E003D38B}"/>
+              </a:ext>
+            </a:extLst>
+          </p:cNvPr>
+          <p:cNvPicPr>
+            <a:picLocks noChangeAspect="1"/>
+          </p:cNvPicPr>
+          <p:nvPr/>
+        </p:nvPicPr>
+        <p:blipFill>
+          <a:blip r:embed="rId4">
+            <a:extLst>
+              <a:ext uri="{28A0092B-C50C-407E-A947-70E740481C1C}">
+                <a14:useLocalDpi xmlns:a14="http://schemas.microsoft.com/office/drawing/2010/main" val="0"/>
+              </a:ext>
+            </a:extLst>
+          </a:blip>
+          <a:stretch>
+            <a:fillRect/>
+          </a:stretch>
+        </p:blipFill>
+        <p:spPr>
+          <a:xfrm>
+            <a:off x="3936796" y="1287913"/>
+            <a:ext cx="4133312" cy="3466649"/>
+          </a:xfrm>
+          <a:prstGeom prst="rect">
+            <a:avLst/>
+          </a:prstGeom>
         </p:spPr>
       </p:pic>
       <p:sp>
@@ -10783,42 +10820,6 @@
           </a:p>
         </p:txBody>
       </p:sp>
-      <p:pic>
-        <p:nvPicPr>
-          <p:cNvPr id="9" name="Grafik 8" descr="Ein Bild, das Text, Screenshot, Diagramm, Grafiken enthält.&#10;&#10;KI-generierte Inhalte können fehlerhaft sein.">
-            <a:extLst>
-              <a:ext uri="{FF2B5EF4-FFF2-40B4-BE49-F238E27FC236}">
-                <a16:creationId xmlns:a16="http://schemas.microsoft.com/office/drawing/2014/main" id="{EDB4AAC9-E495-13F0-D78F-F004761FE242}"/>
-              </a:ext>
-            </a:extLst>
-          </p:cNvPr>
-          <p:cNvPicPr>
-            <a:picLocks noChangeAspect="1"/>
-          </p:cNvPicPr>
-          <p:nvPr/>
-        </p:nvPicPr>
-        <p:blipFill>
-          <a:blip r:embed="rId4">
-            <a:extLst>
-              <a:ext uri="{28A0092B-C50C-407E-A947-70E740481C1C}">
-                <a14:useLocalDpi xmlns:a14="http://schemas.microsoft.com/office/drawing/2010/main" val="0"/>
-              </a:ext>
-            </a:extLst>
-          </a:blip>
-          <a:stretch>
-            <a:fillRect/>
-          </a:stretch>
-        </p:blipFill>
-        <p:spPr>
-          <a:xfrm>
-            <a:off x="7903698" y="3261360"/>
-            <a:ext cx="4288302" cy="3596640"/>
-          </a:xfrm>
-          <a:prstGeom prst="rect">
-            <a:avLst/>
-          </a:prstGeom>
-        </p:spPr>
-      </p:pic>
       <p:sp>
         <p:nvSpPr>
           <p:cNvPr id="10" name="Textfeld 9">
@@ -10902,14 +10903,6 @@
 <file path=ppt/slides/slide12.xml><?xml version="1.0" encoding="utf-8"?>
 <p:sld xmlns:a="http://schemas.openxmlformats.org/drawingml/2006/main" xmlns:r="http://schemas.openxmlformats.org/officeDocument/2006/relationships" xmlns:p="http://schemas.openxmlformats.org/presentationml/2006/main">
   <p:cSld>
-    <p:bg>
-      <p:bgPr>
-        <a:solidFill>
-          <a:schemeClr val="bg1"/>
-        </a:solidFill>
-        <a:effectLst/>
-      </p:bgPr>
-    </p:bg>
     <p:spTree>
       <p:nvGrpSpPr>
         <p:cNvPr id="1" name=""/>
@@ -10926,291 +10919,51 @@
       </p:grpSpPr>
       <p:sp>
         <p:nvSpPr>
-          <p:cNvPr id="12" name="Rectangle 11">
+          <p:cNvPr id="2" name="Title 1">
             <a:extLst>
               <a:ext uri="{FF2B5EF4-FFF2-40B4-BE49-F238E27FC236}">
-                <a16:creationId xmlns:a16="http://schemas.microsoft.com/office/drawing/2014/main" id="{A9F529C3-C941-49FD-8C67-82F134F64BDB}"/>
-              </a:ext>
-              <a:ext uri="{C183D7F6-B498-43B3-948B-1728B52AA6E4}">
-                <adec:decorative xmlns:adec="http://schemas.microsoft.com/office/drawing/2017/decorative" val="1"/>
+                <a16:creationId xmlns:a16="http://schemas.microsoft.com/office/drawing/2014/main" id="{7BF74AB2-23F5-068B-F7E2-A0B1BDF43899}"/>
               </a:ext>
             </a:extLst>
           </p:cNvPr>
           <p:cNvSpPr>
-            <a:spLocks noGrp="1" noRot="1" noChangeAspect="1" noMove="1" noResize="1" noEditPoints="1" noAdjustHandles="1" noChangeArrowheads="1" noChangeShapeType="1" noTextEdit="1"/>
+            <a:spLocks noGrp="1"/>
           </p:cNvSpPr>
           <p:nvPr>
-            <p:extLst>
-              <p:ext uri="{386F3935-93C4-4BCD-93E2-E3B085C9AB24}">
-                <p16:designElem xmlns:p16="http://schemas.microsoft.com/office/powerpoint/2015/main" val="1"/>
-              </p:ext>
-            </p:extLst>
+            <p:ph type="title"/>
           </p:nvPr>
         </p:nvSpPr>
-        <p:spPr>
-          <a:xfrm>
-            <a:off x="0" y="0"/>
-            <a:ext cx="12192000" cy="6858000"/>
-          </a:xfrm>
-          <a:prstGeom prst="rect">
-            <a:avLst/>
-          </a:prstGeom>
-          <a:solidFill>
-            <a:schemeClr val="tx1">
-              <a:lumMod val="50000"/>
-              <a:lumOff val="50000"/>
-              <a:alpha val="30000"/>
-            </a:schemeClr>
-          </a:solidFill>
-          <a:ln>
-            <a:noFill/>
-          </a:ln>
-        </p:spPr>
-        <p:style>
-          <a:lnRef idx="2">
-            <a:schemeClr val="accent1">
-              <a:shade val="50000"/>
-            </a:schemeClr>
-          </a:lnRef>
-          <a:fillRef idx="1">
-            <a:schemeClr val="accent1"/>
-          </a:fillRef>
-          <a:effectRef idx="0">
-            <a:schemeClr val="accent1"/>
-          </a:effectRef>
-          <a:fontRef idx="minor">
-            <a:schemeClr val="lt1"/>
-          </a:fontRef>
-        </p:style>
+        <p:spPr/>
         <p:txBody>
-          <a:bodyPr rtlCol="0" anchor="ctr"/>
+          <a:bodyPr/>
           <a:lstStyle/>
           <a:p>
-            <a:pPr algn="ctr"/>
-            <a:endParaRPr lang="en-US"/>
+            <a:endParaRPr lang="de-CH" dirty="0"/>
           </a:p>
         </p:txBody>
       </p:sp>
       <p:sp>
         <p:nvSpPr>
-          <p:cNvPr id="14" name="Rectangle 13">
+          <p:cNvPr id="3" name="Content Placeholder 2">
             <a:extLst>
               <a:ext uri="{FF2B5EF4-FFF2-40B4-BE49-F238E27FC236}">
-                <a16:creationId xmlns:a16="http://schemas.microsoft.com/office/drawing/2014/main" id="{20586029-32A0-47E5-9AEC-AE3ABA6B94D0}"/>
-              </a:ext>
-              <a:ext uri="{C183D7F6-B498-43B3-948B-1728B52AA6E4}">
-                <adec:decorative xmlns:adec="http://schemas.microsoft.com/office/drawing/2017/decorative" val="1"/>
+                <a16:creationId xmlns:a16="http://schemas.microsoft.com/office/drawing/2014/main" id="{DEA82F65-F7F7-6CF5-65C9-7522904AFB46}"/>
               </a:ext>
             </a:extLst>
           </p:cNvPr>
           <p:cNvSpPr>
-            <a:spLocks noGrp="1" noRot="1" noChangeAspect="1" noMove="1" noResize="1" noEditPoints="1" noAdjustHandles="1" noChangeArrowheads="1" noChangeShapeType="1" noTextEdit="1"/>
+            <a:spLocks noGrp="1"/>
           </p:cNvSpPr>
-          <p:nvPr>
-            <p:extLst>
-              <p:ext uri="{386F3935-93C4-4BCD-93E2-E3B085C9AB24}">
-                <p16:designElem xmlns:p16="http://schemas.microsoft.com/office/powerpoint/2015/main" val="1"/>
-              </p:ext>
-            </p:extLst>
-          </p:nvPr>
-        </p:nvSpPr>
-        <p:spPr>
-          <a:xfrm>
-            <a:off x="477012" y="480060"/>
-            <a:ext cx="11237976" cy="5897880"/>
-          </a:xfrm>
-          <a:prstGeom prst="rect">
-            <a:avLst/>
-          </a:prstGeom>
-          <a:solidFill>
-            <a:srgbClr val="FFFFFF"/>
-          </a:solidFill>
-          <a:ln w="9525">
-            <a:noFill/>
-          </a:ln>
-          <a:effectLst>
-            <a:outerShdw blurRad="63500" dist="17780" dir="5400000" algn="t" rotWithShape="0">
-              <a:prstClr val="black">
-                <a:alpha val="43000"/>
-              </a:prstClr>
-            </a:outerShdw>
-          </a:effectLst>
-        </p:spPr>
-        <p:style>
-          <a:lnRef idx="2">
-            <a:schemeClr val="accent1">
-              <a:shade val="50000"/>
-            </a:schemeClr>
-          </a:lnRef>
-          <a:fillRef idx="1">
-            <a:schemeClr val="accent1"/>
-          </a:fillRef>
-          <a:effectRef idx="0">
-            <a:schemeClr val="accent1"/>
-          </a:effectRef>
-          <a:fontRef idx="minor">
-            <a:schemeClr val="lt1"/>
-          </a:fontRef>
-        </p:style>
-        <p:txBody>
-          <a:bodyPr rtlCol="0" anchor="ctr"/>
-          <a:lstStyle/>
-          <a:p>
-            <a:pPr algn="ctr"/>
-            <a:endParaRPr lang="en-US"/>
-          </a:p>
-        </p:txBody>
-      </p:sp>
-      <p:pic>
-        <p:nvPicPr>
-          <p:cNvPr id="5" name="Content Placeholder 4">
-            <a:extLst>
-              <a:ext uri="{FF2B5EF4-FFF2-40B4-BE49-F238E27FC236}">
-                <a16:creationId xmlns:a16="http://schemas.microsoft.com/office/drawing/2014/main" id="{56484558-BBEA-533D-DFD2-5C398EE64271}"/>
-              </a:ext>
-            </a:extLst>
-          </p:cNvPr>
-          <p:cNvPicPr>
-            <a:picLocks noGrp="1" noChangeAspect="1"/>
-          </p:cNvPicPr>
           <p:nvPr>
             <p:ph idx="1"/>
           </p:nvPr>
-        </p:nvPicPr>
-        <p:blipFill>
-          <a:blip r:embed="rId2"/>
-          <a:stretch>
-            <a:fillRect/>
-          </a:stretch>
-        </p:blipFill>
-        <p:spPr>
-          <a:xfrm>
-            <a:off x="643467" y="1800874"/>
-            <a:ext cx="5294716" cy="3256249"/>
-          </a:xfrm>
-          <a:prstGeom prst="rect">
-            <a:avLst/>
-          </a:prstGeom>
-        </p:spPr>
-      </p:pic>
-      <p:cxnSp>
-        <p:nvCxnSpPr>
-          <p:cNvPr id="16" name="Straight Connector 15">
-            <a:extLst>
-              <a:ext uri="{FF2B5EF4-FFF2-40B4-BE49-F238E27FC236}">
-                <a16:creationId xmlns:a16="http://schemas.microsoft.com/office/drawing/2014/main" id="{8C730EAB-A532-4295-A302-FB4B90DB9F5E}"/>
-              </a:ext>
-              <a:ext uri="{C183D7F6-B498-43B3-948B-1728B52AA6E4}">
-                <adec:decorative xmlns:adec="http://schemas.microsoft.com/office/drawing/2017/decorative" val="1"/>
-              </a:ext>
-            </a:extLst>
-          </p:cNvPr>
-          <p:cNvCxnSpPr>
-            <a:cxnSpLocks noGrp="1" noRot="1" noChangeAspect="1" noMove="1" noResize="1" noEditPoints="1" noAdjustHandles="1" noChangeArrowheads="1" noChangeShapeType="1"/>
-          </p:cNvCxnSpPr>
-          <p:nvPr>
-            <p:extLst>
-              <p:ext uri="{386F3935-93C4-4BCD-93E2-E3B085C9AB24}">
-                <p16:designElem xmlns:p16="http://schemas.microsoft.com/office/powerpoint/2015/main" val="1"/>
-              </p:ext>
-            </p:extLst>
-          </p:nvPr>
-        </p:nvCxnSpPr>
-        <p:spPr>
-          <a:xfrm>
-            <a:off x="6079958" y="1143000"/>
-            <a:ext cx="0" cy="4572000"/>
-          </a:xfrm>
-          <a:prstGeom prst="line">
-            <a:avLst/>
-          </a:prstGeom>
-          <a:ln>
-            <a:solidFill>
-              <a:srgbClr val="4E4E4E"/>
-            </a:solidFill>
-          </a:ln>
-        </p:spPr>
-        <p:style>
-          <a:lnRef idx="1">
-            <a:schemeClr val="accent1"/>
-          </a:lnRef>
-          <a:fillRef idx="0">
-            <a:schemeClr val="accent1"/>
-          </a:fillRef>
-          <a:effectRef idx="0">
-            <a:schemeClr val="accent1"/>
-          </a:effectRef>
-          <a:fontRef idx="minor">
-            <a:schemeClr val="tx1"/>
-          </a:fontRef>
-        </p:style>
-      </p:cxnSp>
-      <p:pic>
-        <p:nvPicPr>
-          <p:cNvPr id="7" name="Picture 6">
-            <a:extLst>
-              <a:ext uri="{FF2B5EF4-FFF2-40B4-BE49-F238E27FC236}">
-                <a16:creationId xmlns:a16="http://schemas.microsoft.com/office/drawing/2014/main" id="{DD0EDA03-4C8D-C25F-D8F7-E05AC65357D8}"/>
-              </a:ext>
-            </a:extLst>
-          </p:cNvPr>
-          <p:cNvPicPr>
-            <a:picLocks noChangeAspect="1"/>
-          </p:cNvPicPr>
-          <p:nvPr/>
-        </p:nvPicPr>
-        <p:blipFill>
-          <a:blip r:embed="rId3"/>
-          <a:stretch>
-            <a:fillRect/>
-          </a:stretch>
-        </p:blipFill>
-        <p:spPr>
-          <a:xfrm>
-            <a:off x="6253817" y="1787639"/>
-            <a:ext cx="5294715" cy="3282722"/>
-          </a:xfrm>
-          <a:prstGeom prst="rect">
-            <a:avLst/>
-          </a:prstGeom>
-        </p:spPr>
-      </p:pic>
-      <p:sp>
-        <p:nvSpPr>
-          <p:cNvPr id="9" name="TextBox 8">
-            <a:extLst>
-              <a:ext uri="{FF2B5EF4-FFF2-40B4-BE49-F238E27FC236}">
-                <a16:creationId xmlns:a16="http://schemas.microsoft.com/office/drawing/2014/main" id="{6A4A18E2-60E8-7904-6D2B-A7F2BA01B2C0}"/>
-              </a:ext>
-            </a:extLst>
-          </p:cNvPr>
-          <p:cNvSpPr txBox="1"/>
-          <p:nvPr/>
         </p:nvSpPr>
-        <p:spPr>
-          <a:xfrm>
-            <a:off x="1850598" y="5639273"/>
-            <a:ext cx="8175169" cy="738664"/>
-          </a:xfrm>
-          <a:prstGeom prst="rect">
-            <a:avLst/>
-          </a:prstGeom>
-          <a:noFill/>
-        </p:spPr>
+        <p:spPr/>
         <p:txBody>
-          <a:bodyPr wrap="square">
-            <a:spAutoFit/>
-          </a:bodyPr>
+          <a:bodyPr/>
           <a:lstStyle/>
           <a:p>
-            <a:r>
-              <a:rPr lang="de-CH" sz="1400" dirty="0" err="1"/>
-              <a:t>init_wd</a:t>
-            </a:r>
-            <a:r>
-              <a:rPr lang="de-CH" sz="1400" dirty="0"/>
-              <a:t> &lt;- 30init_wb &lt;- 30init_sd &lt;- 30init_sb &lt;- 30m_rate_wm &lt;- 0.001m_rate_sm &lt;- 0.005decay_rate_wm &lt;- 0.1decay_rate_sm &lt;- 0.2s_wm &lt;- 0.2s_sm &lt;- 0.3max_gen &lt;- 1000,no_replicates &lt;- 50</a:t>
-            </a:r>
+            <a:endParaRPr lang="de-CH"/>
           </a:p>
         </p:txBody>
       </p:sp>
@@ -11218,334 +10971,6 @@
     <p:extLst>
       <p:ext uri="{BB962C8B-B14F-4D97-AF65-F5344CB8AC3E}">
         <p14:creationId xmlns:p14="http://schemas.microsoft.com/office/powerpoint/2010/main" val="3090059377"/>
-      </p:ext>
-    </p:extLst>
-  </p:cSld>
-  <p:clrMapOvr>
-    <a:masterClrMapping/>
-  </p:clrMapOvr>
-</p:sld>
-</file>
-
-<file path=ppt/slides/slide13.xml><?xml version="1.0" encoding="utf-8"?>
-<p:sld xmlns:a="http://schemas.openxmlformats.org/drawingml/2006/main" xmlns:r="http://schemas.openxmlformats.org/officeDocument/2006/relationships" xmlns:p="http://schemas.openxmlformats.org/presentationml/2006/main">
-  <p:cSld>
-    <p:bg>
-      <p:bgPr>
-        <a:solidFill>
-          <a:schemeClr val="bg1"/>
-        </a:solidFill>
-        <a:effectLst/>
-      </p:bgPr>
-    </p:bg>
-    <p:spTree>
-      <p:nvGrpSpPr>
-        <p:cNvPr id="1" name=""/>
-        <p:cNvGrpSpPr/>
-        <p:nvPr/>
-      </p:nvGrpSpPr>
-      <p:grpSpPr>
-        <a:xfrm>
-          <a:off x="0" y="0"/>
-          <a:ext cx="0" cy="0"/>
-          <a:chOff x="0" y="0"/>
-          <a:chExt cx="0" cy="0"/>
-        </a:xfrm>
-      </p:grpSpPr>
-      <p:sp>
-        <p:nvSpPr>
-          <p:cNvPr id="12" name="Rectangle 11">
-            <a:extLst>
-              <a:ext uri="{FF2B5EF4-FFF2-40B4-BE49-F238E27FC236}">
-                <a16:creationId xmlns:a16="http://schemas.microsoft.com/office/drawing/2014/main" id="{A9F529C3-C941-49FD-8C67-82F134F64BDB}"/>
-              </a:ext>
-              <a:ext uri="{C183D7F6-B498-43B3-948B-1728B52AA6E4}">
-                <adec:decorative xmlns:adec="http://schemas.microsoft.com/office/drawing/2017/decorative" val="1"/>
-              </a:ext>
-            </a:extLst>
-          </p:cNvPr>
-          <p:cNvSpPr>
-            <a:spLocks noGrp="1" noRot="1" noChangeAspect="1" noMove="1" noResize="1" noEditPoints="1" noAdjustHandles="1" noChangeArrowheads="1" noChangeShapeType="1" noTextEdit="1"/>
-          </p:cNvSpPr>
-          <p:nvPr>
-            <p:extLst>
-              <p:ext uri="{386F3935-93C4-4BCD-93E2-E3B085C9AB24}">
-                <p16:designElem xmlns:p16="http://schemas.microsoft.com/office/powerpoint/2015/main" val="1"/>
-              </p:ext>
-            </p:extLst>
-          </p:nvPr>
-        </p:nvSpPr>
-        <p:spPr>
-          <a:xfrm>
-            <a:off x="0" y="0"/>
-            <a:ext cx="12192000" cy="6858000"/>
-          </a:xfrm>
-          <a:prstGeom prst="rect">
-            <a:avLst/>
-          </a:prstGeom>
-          <a:solidFill>
-            <a:schemeClr val="tx1">
-              <a:lumMod val="50000"/>
-              <a:lumOff val="50000"/>
-              <a:alpha val="30000"/>
-            </a:schemeClr>
-          </a:solidFill>
-          <a:ln>
-            <a:noFill/>
-          </a:ln>
-        </p:spPr>
-        <p:style>
-          <a:lnRef idx="2">
-            <a:schemeClr val="accent1">
-              <a:shade val="50000"/>
-            </a:schemeClr>
-          </a:lnRef>
-          <a:fillRef idx="1">
-            <a:schemeClr val="accent1"/>
-          </a:fillRef>
-          <a:effectRef idx="0">
-            <a:schemeClr val="accent1"/>
-          </a:effectRef>
-          <a:fontRef idx="minor">
-            <a:schemeClr val="lt1"/>
-          </a:fontRef>
-        </p:style>
-        <p:txBody>
-          <a:bodyPr rtlCol="0" anchor="ctr"/>
-          <a:lstStyle/>
-          <a:p>
-            <a:pPr algn="ctr"/>
-            <a:endParaRPr lang="en-US"/>
-          </a:p>
-        </p:txBody>
-      </p:sp>
-      <p:sp>
-        <p:nvSpPr>
-          <p:cNvPr id="14" name="Rectangle 13">
-            <a:extLst>
-              <a:ext uri="{FF2B5EF4-FFF2-40B4-BE49-F238E27FC236}">
-                <a16:creationId xmlns:a16="http://schemas.microsoft.com/office/drawing/2014/main" id="{20586029-32A0-47E5-9AEC-AE3ABA6B94D0}"/>
-              </a:ext>
-              <a:ext uri="{C183D7F6-B498-43B3-948B-1728B52AA6E4}">
-                <adec:decorative xmlns:adec="http://schemas.microsoft.com/office/drawing/2017/decorative" val="1"/>
-              </a:ext>
-            </a:extLst>
-          </p:cNvPr>
-          <p:cNvSpPr>
-            <a:spLocks noGrp="1" noRot="1" noChangeAspect="1" noMove="1" noResize="1" noEditPoints="1" noAdjustHandles="1" noChangeArrowheads="1" noChangeShapeType="1" noTextEdit="1"/>
-          </p:cNvSpPr>
-          <p:nvPr>
-            <p:extLst>
-              <p:ext uri="{386F3935-93C4-4BCD-93E2-E3B085C9AB24}">
-                <p16:designElem xmlns:p16="http://schemas.microsoft.com/office/powerpoint/2015/main" val="1"/>
-              </p:ext>
-            </p:extLst>
-          </p:nvPr>
-        </p:nvSpPr>
-        <p:spPr>
-          <a:xfrm>
-            <a:off x="477012" y="480060"/>
-            <a:ext cx="11237976" cy="5897880"/>
-          </a:xfrm>
-          <a:prstGeom prst="rect">
-            <a:avLst/>
-          </a:prstGeom>
-          <a:solidFill>
-            <a:srgbClr val="FFFFFF"/>
-          </a:solidFill>
-          <a:ln w="9525">
-            <a:noFill/>
-          </a:ln>
-          <a:effectLst>
-            <a:outerShdw blurRad="63500" dist="17780" dir="5400000" algn="t" rotWithShape="0">
-              <a:prstClr val="black">
-                <a:alpha val="43000"/>
-              </a:prstClr>
-            </a:outerShdw>
-          </a:effectLst>
-        </p:spPr>
-        <p:style>
-          <a:lnRef idx="2">
-            <a:schemeClr val="accent1">
-              <a:shade val="50000"/>
-            </a:schemeClr>
-          </a:lnRef>
-          <a:fillRef idx="1">
-            <a:schemeClr val="accent1"/>
-          </a:fillRef>
-          <a:effectRef idx="0">
-            <a:schemeClr val="accent1"/>
-          </a:effectRef>
-          <a:fontRef idx="minor">
-            <a:schemeClr val="lt1"/>
-          </a:fontRef>
-        </p:style>
-        <p:txBody>
-          <a:bodyPr rtlCol="0" anchor="ctr"/>
-          <a:lstStyle/>
-          <a:p>
-            <a:pPr algn="ctr"/>
-            <a:endParaRPr lang="en-US"/>
-          </a:p>
-        </p:txBody>
-      </p:sp>
-      <p:pic>
-        <p:nvPicPr>
-          <p:cNvPr id="5" name="Content Placeholder 4">
-            <a:extLst>
-              <a:ext uri="{FF2B5EF4-FFF2-40B4-BE49-F238E27FC236}">
-                <a16:creationId xmlns:a16="http://schemas.microsoft.com/office/drawing/2014/main" id="{442F3483-4C3C-05F3-ED6F-2DDDB64A0AAA}"/>
-              </a:ext>
-            </a:extLst>
-          </p:cNvPr>
-          <p:cNvPicPr>
-            <a:picLocks noGrp="1" noChangeAspect="1"/>
-          </p:cNvPicPr>
-          <p:nvPr>
-            <p:ph idx="1"/>
-          </p:nvPr>
-        </p:nvPicPr>
-        <p:blipFill>
-          <a:blip r:embed="rId2"/>
-          <a:stretch>
-            <a:fillRect/>
-          </a:stretch>
-        </p:blipFill>
-        <p:spPr>
-          <a:xfrm>
-            <a:off x="643467" y="1807492"/>
-            <a:ext cx="5294716" cy="3243013"/>
-          </a:xfrm>
-          <a:prstGeom prst="rect">
-            <a:avLst/>
-          </a:prstGeom>
-        </p:spPr>
-      </p:pic>
-      <p:cxnSp>
-        <p:nvCxnSpPr>
-          <p:cNvPr id="16" name="Straight Connector 15">
-            <a:extLst>
-              <a:ext uri="{FF2B5EF4-FFF2-40B4-BE49-F238E27FC236}">
-                <a16:creationId xmlns:a16="http://schemas.microsoft.com/office/drawing/2014/main" id="{8C730EAB-A532-4295-A302-FB4B90DB9F5E}"/>
-              </a:ext>
-              <a:ext uri="{C183D7F6-B498-43B3-948B-1728B52AA6E4}">
-                <adec:decorative xmlns:adec="http://schemas.microsoft.com/office/drawing/2017/decorative" val="1"/>
-              </a:ext>
-            </a:extLst>
-          </p:cNvPr>
-          <p:cNvCxnSpPr>
-            <a:cxnSpLocks noGrp="1" noRot="1" noChangeAspect="1" noMove="1" noResize="1" noEditPoints="1" noAdjustHandles="1" noChangeArrowheads="1" noChangeShapeType="1"/>
-          </p:cNvCxnSpPr>
-          <p:nvPr>
-            <p:extLst>
-              <p:ext uri="{386F3935-93C4-4BCD-93E2-E3B085C9AB24}">
-                <p16:designElem xmlns:p16="http://schemas.microsoft.com/office/powerpoint/2015/main" val="1"/>
-              </p:ext>
-            </p:extLst>
-          </p:nvPr>
-        </p:nvCxnSpPr>
-        <p:spPr>
-          <a:xfrm>
-            <a:off x="6079958" y="1143000"/>
-            <a:ext cx="0" cy="4572000"/>
-          </a:xfrm>
-          <a:prstGeom prst="line">
-            <a:avLst/>
-          </a:prstGeom>
-          <a:ln>
-            <a:solidFill>
-              <a:srgbClr val="4E4E4E"/>
-            </a:solidFill>
-          </a:ln>
-        </p:spPr>
-        <p:style>
-          <a:lnRef idx="1">
-            <a:schemeClr val="accent1"/>
-          </a:lnRef>
-          <a:fillRef idx="0">
-            <a:schemeClr val="accent1"/>
-          </a:fillRef>
-          <a:effectRef idx="0">
-            <a:schemeClr val="accent1"/>
-          </a:effectRef>
-          <a:fontRef idx="minor">
-            <a:schemeClr val="tx1"/>
-          </a:fontRef>
-        </p:style>
-      </p:cxnSp>
-      <p:pic>
-        <p:nvPicPr>
-          <p:cNvPr id="7" name="Picture 6">
-            <a:extLst>
-              <a:ext uri="{FF2B5EF4-FFF2-40B4-BE49-F238E27FC236}">
-                <a16:creationId xmlns:a16="http://schemas.microsoft.com/office/drawing/2014/main" id="{1EA42C00-70FF-EAE2-39BB-C0A0A942C971}"/>
-              </a:ext>
-            </a:extLst>
-          </p:cNvPr>
-          <p:cNvPicPr>
-            <a:picLocks noChangeAspect="1"/>
-          </p:cNvPicPr>
-          <p:nvPr/>
-        </p:nvPicPr>
-        <p:blipFill>
-          <a:blip r:embed="rId3"/>
-          <a:stretch>
-            <a:fillRect/>
-          </a:stretch>
-        </p:blipFill>
-        <p:spPr>
-          <a:xfrm>
-            <a:off x="6253817" y="1787639"/>
-            <a:ext cx="5294715" cy="3282722"/>
-          </a:xfrm>
-          <a:prstGeom prst="rect">
-            <a:avLst/>
-          </a:prstGeom>
-        </p:spPr>
-      </p:pic>
-      <p:sp>
-        <p:nvSpPr>
-          <p:cNvPr id="9" name="TextBox 8">
-            <a:extLst>
-              <a:ext uri="{FF2B5EF4-FFF2-40B4-BE49-F238E27FC236}">
-                <a16:creationId xmlns:a16="http://schemas.microsoft.com/office/drawing/2014/main" id="{BFF6B2DD-6AA6-6AE2-56FD-AE2562AC8EA1}"/>
-              </a:ext>
-            </a:extLst>
-          </p:cNvPr>
-          <p:cNvSpPr txBox="1"/>
-          <p:nvPr/>
-        </p:nvSpPr>
-        <p:spPr>
-          <a:xfrm>
-            <a:off x="2133573" y="5715000"/>
-            <a:ext cx="8490883" cy="523220"/>
-          </a:xfrm>
-          <a:prstGeom prst="rect">
-            <a:avLst/>
-          </a:prstGeom>
-          <a:noFill/>
-        </p:spPr>
-        <p:txBody>
-          <a:bodyPr wrap="square">
-            <a:spAutoFit/>
-          </a:bodyPr>
-          <a:lstStyle/>
-          <a:p>
-            <a:r>
-              <a:rPr lang="de-CH" sz="1400" dirty="0" err="1"/>
-              <a:t>init_wd</a:t>
-            </a:r>
-            <a:r>
-              <a:rPr lang="de-CH" sz="1400" dirty="0"/>
-              <a:t> &lt;- 30init_wb &lt;- 30init_sd &lt;- 30init_sb &lt;- 30m_rate_wm &lt;- 0.001m_rate_sm &lt;- 0.005decay_rate_wm &lt;- 0.1decay_rate_sm &lt;- 0.2s_wm &lt;- 0.2s_sm &lt;- 0.3max_gen &lt;- 1000,no_replicates &lt;- 50</a:t>
-            </a:r>
-          </a:p>
-        </p:txBody>
-      </p:sp>
-    </p:spTree>
-    <p:extLst>
-      <p:ext uri="{BB962C8B-B14F-4D97-AF65-F5344CB8AC3E}">
-        <p14:creationId xmlns:p14="http://schemas.microsoft.com/office/powerpoint/2010/main" val="2544409277"/>
       </p:ext>
     </p:extLst>
   </p:cSld>
@@ -12437,7 +11862,7 @@
             <a:pPr lvl="0"/>
             <a:r>
               <a:rPr lang="en-GB" dirty="0"/>
-              <a:t>Manly: package ggplot2</a:t>
+              <a:t>Mainly: package ggplot2</a:t>
             </a:r>
             <a:endParaRPr lang="de-CH" dirty="0"/>
           </a:p>

--- a/THEE_bacterial resistance.pptx
+++ b/THEE_bacterial resistance.pptx
@@ -16,7 +16,8 @@
     <p:sldId id="263" r:id="rId10"/>
     <p:sldId id="260" r:id="rId11"/>
     <p:sldId id="262" r:id="rId12"/>
-    <p:sldId id="268" r:id="rId13"/>
+    <p:sldId id="269" r:id="rId13"/>
+    <p:sldId id="270" r:id="rId14"/>
   </p:sldIdLst>
   <p:sldSz cx="12192000" cy="6858000"/>
   <p:notesSz cx="6858000" cy="9144000"/>
@@ -6621,7 +6622,7 @@
           <a:p>
             <a:fld id="{2A07F06B-CB54-47B8-86A8-70FF2417EE14}" type="slidenum">
               <a:rPr lang="de-CH" smtClean="0"/>
-              <a:t>‹Nr.›</a:t>
+              <a:t>‹#›</a:t>
             </a:fld>
             <a:endParaRPr lang="de-CH"/>
           </a:p>
@@ -6821,7 +6822,7 @@
           <a:p>
             <a:fld id="{2A07F06B-CB54-47B8-86A8-70FF2417EE14}" type="slidenum">
               <a:rPr lang="de-CH" smtClean="0"/>
-              <a:t>‹Nr.›</a:t>
+              <a:t>‹#›</a:t>
             </a:fld>
             <a:endParaRPr lang="de-CH"/>
           </a:p>
@@ -7031,7 +7032,7 @@
           <a:p>
             <a:fld id="{2A07F06B-CB54-47B8-86A8-70FF2417EE14}" type="slidenum">
               <a:rPr lang="de-CH" smtClean="0"/>
-              <a:t>‹Nr.›</a:t>
+              <a:t>‹#›</a:t>
             </a:fld>
             <a:endParaRPr lang="de-CH"/>
           </a:p>
@@ -7231,7 +7232,7 @@
           <a:p>
             <a:fld id="{2A07F06B-CB54-47B8-86A8-70FF2417EE14}" type="slidenum">
               <a:rPr lang="de-CH" smtClean="0"/>
-              <a:t>‹Nr.›</a:t>
+              <a:t>‹#›</a:t>
             </a:fld>
             <a:endParaRPr lang="de-CH"/>
           </a:p>
@@ -7507,7 +7508,7 @@
           <a:p>
             <a:fld id="{2A07F06B-CB54-47B8-86A8-70FF2417EE14}" type="slidenum">
               <a:rPr lang="de-CH" smtClean="0"/>
-              <a:t>‹Nr.›</a:t>
+              <a:t>‹#›</a:t>
             </a:fld>
             <a:endParaRPr lang="de-CH"/>
           </a:p>
@@ -7775,7 +7776,7 @@
           <a:p>
             <a:fld id="{2A07F06B-CB54-47B8-86A8-70FF2417EE14}" type="slidenum">
               <a:rPr lang="de-CH" smtClean="0"/>
-              <a:t>‹Nr.›</a:t>
+              <a:t>‹#›</a:t>
             </a:fld>
             <a:endParaRPr lang="de-CH"/>
           </a:p>
@@ -8190,7 +8191,7 @@
           <a:p>
             <a:fld id="{2A07F06B-CB54-47B8-86A8-70FF2417EE14}" type="slidenum">
               <a:rPr lang="de-CH" smtClean="0"/>
-              <a:t>‹Nr.›</a:t>
+              <a:t>‹#›</a:t>
             </a:fld>
             <a:endParaRPr lang="de-CH"/>
           </a:p>
@@ -8332,7 +8333,7 @@
           <a:p>
             <a:fld id="{2A07F06B-CB54-47B8-86A8-70FF2417EE14}" type="slidenum">
               <a:rPr lang="de-CH" smtClean="0"/>
-              <a:t>‹Nr.›</a:t>
+              <a:t>‹#›</a:t>
             </a:fld>
             <a:endParaRPr lang="de-CH"/>
           </a:p>
@@ -8445,7 +8446,7 @@
           <a:p>
             <a:fld id="{2A07F06B-CB54-47B8-86A8-70FF2417EE14}" type="slidenum">
               <a:rPr lang="de-CH" smtClean="0"/>
-              <a:t>‹Nr.›</a:t>
+              <a:t>‹#›</a:t>
             </a:fld>
             <a:endParaRPr lang="de-CH"/>
           </a:p>
@@ -8758,7 +8759,7 @@
           <a:p>
             <a:fld id="{2A07F06B-CB54-47B8-86A8-70FF2417EE14}" type="slidenum">
               <a:rPr lang="de-CH" smtClean="0"/>
-              <a:t>‹Nr.›</a:t>
+              <a:t>‹#›</a:t>
             </a:fld>
             <a:endParaRPr lang="de-CH"/>
           </a:p>
@@ -9047,7 +9048,7 @@
           <a:p>
             <a:fld id="{2A07F06B-CB54-47B8-86A8-70FF2417EE14}" type="slidenum">
               <a:rPr lang="de-CH" smtClean="0"/>
-              <a:t>‹Nr.›</a:t>
+              <a:t>‹#›</a:t>
             </a:fld>
             <a:endParaRPr lang="de-CH"/>
           </a:p>
@@ -9326,7 +9327,7 @@
           <a:p>
             <a:fld id="{2A07F06B-CB54-47B8-86A8-70FF2417EE14}" type="slidenum">
               <a:rPr lang="de-CH" smtClean="0"/>
-              <a:t>‹Nr.›</a:t>
+              <a:t>‹#›</a:t>
             </a:fld>
             <a:endParaRPr lang="de-CH"/>
           </a:p>
@@ -10917,60 +10918,242 @@
           <a:chExt cx="0" cy="0"/>
         </a:xfrm>
       </p:grpSpPr>
-      <p:sp>
-        <p:nvSpPr>
-          <p:cNvPr id="2" name="Title 1">
+      <p:pic>
+        <p:nvPicPr>
+          <p:cNvPr id="5" name="Content Placeholder 4">
             <a:extLst>
               <a:ext uri="{FF2B5EF4-FFF2-40B4-BE49-F238E27FC236}">
-                <a16:creationId xmlns:a16="http://schemas.microsoft.com/office/drawing/2014/main" id="{7BF74AB2-23F5-068B-F7E2-A0B1BDF43899}"/>
+                <a16:creationId xmlns:a16="http://schemas.microsoft.com/office/drawing/2014/main" id="{56484558-BBEA-533D-DFD2-5C398EE64271}"/>
               </a:ext>
             </a:extLst>
           </p:cNvPr>
-          <p:cNvSpPr>
-            <a:spLocks noGrp="1"/>
-          </p:cNvSpPr>
-          <p:nvPr>
-            <p:ph type="title"/>
-          </p:nvPr>
-        </p:nvSpPr>
-        <p:spPr/>
-        <p:txBody>
-          <a:bodyPr/>
-          <a:lstStyle/>
-          <a:p>
-            <a:endParaRPr lang="de-CH" dirty="0"/>
-          </a:p>
-        </p:txBody>
-      </p:sp>
-      <p:sp>
-        <p:nvSpPr>
-          <p:cNvPr id="3" name="Content Placeholder 2">
-            <a:extLst>
-              <a:ext uri="{FF2B5EF4-FFF2-40B4-BE49-F238E27FC236}">
-                <a16:creationId xmlns:a16="http://schemas.microsoft.com/office/drawing/2014/main" id="{DEA82F65-F7F7-6CF5-65C9-7522904AFB46}"/>
-              </a:ext>
-            </a:extLst>
-          </p:cNvPr>
-          <p:cNvSpPr>
-            <a:spLocks noGrp="1"/>
-          </p:cNvSpPr>
+          <p:cNvPicPr>
+            <a:picLocks noGrp="1" noChangeAspect="1"/>
+          </p:cNvPicPr>
           <p:nvPr>
             <p:ph idx="1"/>
           </p:nvPr>
+        </p:nvPicPr>
+        <p:blipFill>
+          <a:blip r:embed="rId2"/>
+          <a:stretch>
+            <a:fillRect/>
+          </a:stretch>
+        </p:blipFill>
+        <p:spPr>
+          <a:xfrm>
+            <a:off x="643467" y="1800874"/>
+            <a:ext cx="5294716" cy="3256249"/>
+          </a:xfrm>
+          <a:prstGeom prst="rect">
+            <a:avLst/>
+          </a:prstGeom>
+        </p:spPr>
+      </p:pic>
+      <p:pic>
+        <p:nvPicPr>
+          <p:cNvPr id="7" name="Picture 6">
+            <a:extLst>
+              <a:ext uri="{FF2B5EF4-FFF2-40B4-BE49-F238E27FC236}">
+                <a16:creationId xmlns:a16="http://schemas.microsoft.com/office/drawing/2014/main" id="{DD0EDA03-4C8D-C25F-D8F7-E05AC65357D8}"/>
+              </a:ext>
+            </a:extLst>
+          </p:cNvPr>
+          <p:cNvPicPr>
+            <a:picLocks noChangeAspect="1"/>
+          </p:cNvPicPr>
+          <p:nvPr/>
+        </p:nvPicPr>
+        <p:blipFill>
+          <a:blip r:embed="rId3"/>
+          <a:stretch>
+            <a:fillRect/>
+          </a:stretch>
+        </p:blipFill>
+        <p:spPr>
+          <a:xfrm>
+            <a:off x="6253817" y="1787639"/>
+            <a:ext cx="5294715" cy="3282722"/>
+          </a:xfrm>
+          <a:prstGeom prst="rect">
+            <a:avLst/>
+          </a:prstGeom>
+        </p:spPr>
+      </p:pic>
+      <p:sp>
+        <p:nvSpPr>
+          <p:cNvPr id="9" name="TextBox 8">
+            <a:extLst>
+              <a:ext uri="{FF2B5EF4-FFF2-40B4-BE49-F238E27FC236}">
+                <a16:creationId xmlns:a16="http://schemas.microsoft.com/office/drawing/2014/main" id="{6A4A18E2-60E8-7904-6D2B-A7F2BA01B2C0}"/>
+              </a:ext>
+            </a:extLst>
+          </p:cNvPr>
+          <p:cNvSpPr txBox="1"/>
+          <p:nvPr/>
         </p:nvSpPr>
-        <p:spPr/>
+        <p:spPr>
+          <a:xfrm>
+            <a:off x="1850598" y="5639273"/>
+            <a:ext cx="8175169" cy="738664"/>
+          </a:xfrm>
+          <a:prstGeom prst="rect">
+            <a:avLst/>
+          </a:prstGeom>
+          <a:noFill/>
+        </p:spPr>
         <p:txBody>
-          <a:bodyPr/>
+          <a:bodyPr wrap="square">
+            <a:spAutoFit/>
+          </a:bodyPr>
           <a:lstStyle/>
           <a:p>
-            <a:endParaRPr lang="de-CH"/>
+            <a:r>
+              <a:rPr lang="de-CH" sz="1400" dirty="0" err="1"/>
+              <a:t>init_wd</a:t>
+            </a:r>
+            <a:r>
+              <a:rPr lang="de-CH" sz="1400" dirty="0"/>
+              <a:t> &lt;- 30init_wb &lt;- 30init_sd &lt;- 30init_sb &lt;- 30m_rate_wm &lt;- 0.001m_rate_sm &lt;- 0.005decay_rate_wm &lt;- 0.1decay_rate_sm &lt;- 0.2s_wm &lt;- 0.2s_sm &lt;- 0.3max_gen &lt;- 1000,no_replicates &lt;- 50</a:t>
+            </a:r>
           </a:p>
         </p:txBody>
       </p:sp>
     </p:spTree>
     <p:extLst>
       <p:ext uri="{BB962C8B-B14F-4D97-AF65-F5344CB8AC3E}">
-        <p14:creationId xmlns:p14="http://schemas.microsoft.com/office/powerpoint/2010/main" val="3090059377"/>
+        <p14:creationId xmlns:p14="http://schemas.microsoft.com/office/powerpoint/2010/main" val="1714171063"/>
+      </p:ext>
+    </p:extLst>
+  </p:cSld>
+  <p:clrMapOvr>
+    <a:masterClrMapping/>
+  </p:clrMapOvr>
+</p:sld>
+</file>
+
+<file path=ppt/slides/slide13.xml><?xml version="1.0" encoding="utf-8"?>
+<p:sld xmlns:a="http://schemas.openxmlformats.org/drawingml/2006/main" xmlns:r="http://schemas.openxmlformats.org/officeDocument/2006/relationships" xmlns:p="http://schemas.openxmlformats.org/presentationml/2006/main">
+  <p:cSld>
+    <p:spTree>
+      <p:nvGrpSpPr>
+        <p:cNvPr id="1" name=""/>
+        <p:cNvGrpSpPr/>
+        <p:nvPr/>
+      </p:nvGrpSpPr>
+      <p:grpSpPr>
+        <a:xfrm>
+          <a:off x="0" y="0"/>
+          <a:ext cx="0" cy="0"/>
+          <a:chOff x="0" y="0"/>
+          <a:chExt cx="0" cy="0"/>
+        </a:xfrm>
+      </p:grpSpPr>
+      <p:pic>
+        <p:nvPicPr>
+          <p:cNvPr id="5" name="Content Placeholder 4">
+            <a:extLst>
+              <a:ext uri="{FF2B5EF4-FFF2-40B4-BE49-F238E27FC236}">
+                <a16:creationId xmlns:a16="http://schemas.microsoft.com/office/drawing/2014/main" id="{442F3483-4C3C-05F3-ED6F-2DDDB64A0AAA}"/>
+              </a:ext>
+            </a:extLst>
+          </p:cNvPr>
+          <p:cNvPicPr>
+            <a:picLocks noGrp="1" noChangeAspect="1"/>
+          </p:cNvPicPr>
+          <p:nvPr>
+            <p:ph idx="1"/>
+          </p:nvPr>
+        </p:nvPicPr>
+        <p:blipFill>
+          <a:blip r:embed="rId2"/>
+          <a:stretch>
+            <a:fillRect/>
+          </a:stretch>
+        </p:blipFill>
+        <p:spPr>
+          <a:xfrm>
+            <a:off x="643467" y="1807492"/>
+            <a:ext cx="5294716" cy="3243013"/>
+          </a:xfrm>
+          <a:prstGeom prst="rect">
+            <a:avLst/>
+          </a:prstGeom>
+        </p:spPr>
+      </p:pic>
+      <p:pic>
+        <p:nvPicPr>
+          <p:cNvPr id="7" name="Picture 6">
+            <a:extLst>
+              <a:ext uri="{FF2B5EF4-FFF2-40B4-BE49-F238E27FC236}">
+                <a16:creationId xmlns:a16="http://schemas.microsoft.com/office/drawing/2014/main" id="{1EA42C00-70FF-EAE2-39BB-C0A0A942C971}"/>
+              </a:ext>
+            </a:extLst>
+          </p:cNvPr>
+          <p:cNvPicPr>
+            <a:picLocks noChangeAspect="1"/>
+          </p:cNvPicPr>
+          <p:nvPr/>
+        </p:nvPicPr>
+        <p:blipFill>
+          <a:blip r:embed="rId3"/>
+          <a:stretch>
+            <a:fillRect/>
+          </a:stretch>
+        </p:blipFill>
+        <p:spPr>
+          <a:xfrm>
+            <a:off x="6253817" y="1787639"/>
+            <a:ext cx="5294715" cy="3282722"/>
+          </a:xfrm>
+          <a:prstGeom prst="rect">
+            <a:avLst/>
+          </a:prstGeom>
+        </p:spPr>
+      </p:pic>
+      <p:sp>
+        <p:nvSpPr>
+          <p:cNvPr id="9" name="TextBox 8">
+            <a:extLst>
+              <a:ext uri="{FF2B5EF4-FFF2-40B4-BE49-F238E27FC236}">
+                <a16:creationId xmlns:a16="http://schemas.microsoft.com/office/drawing/2014/main" id="{BFF6B2DD-6AA6-6AE2-56FD-AE2562AC8EA1}"/>
+              </a:ext>
+            </a:extLst>
+          </p:cNvPr>
+          <p:cNvSpPr txBox="1"/>
+          <p:nvPr/>
+        </p:nvSpPr>
+        <p:spPr>
+          <a:xfrm>
+            <a:off x="2133573" y="5715000"/>
+            <a:ext cx="8490883" cy="523220"/>
+          </a:xfrm>
+          <a:prstGeom prst="rect">
+            <a:avLst/>
+          </a:prstGeom>
+          <a:noFill/>
+        </p:spPr>
+        <p:txBody>
+          <a:bodyPr wrap="square">
+            <a:spAutoFit/>
+          </a:bodyPr>
+          <a:lstStyle/>
+          <a:p>
+            <a:r>
+              <a:rPr lang="de-CH" sz="1400" dirty="0" err="1"/>
+              <a:t>init_wd</a:t>
+            </a:r>
+            <a:r>
+              <a:rPr lang="de-CH" sz="1400" dirty="0"/>
+              <a:t> &lt;- 30init_wb &lt;- 30init_sd &lt;- 30init_sb &lt;- 30m_rate_wm &lt;- 0.001m_rate_sm &lt;- 0.005decay_rate_wm &lt;- 0.1decay_rate_sm &lt;- 0.2s_wm &lt;- 0.2s_sm &lt;- 0.3max_gen &lt;- 1000,no_replicates &lt;- 50</a:t>
+            </a:r>
+          </a:p>
+        </p:txBody>
+      </p:sp>
+    </p:spTree>
+    <p:extLst>
+      <p:ext uri="{BB962C8B-B14F-4D97-AF65-F5344CB8AC3E}">
+        <p14:creationId xmlns:p14="http://schemas.microsoft.com/office/powerpoint/2010/main" val="2544409277"/>
       </p:ext>
     </p:extLst>
   </p:cSld>
